--- a/AdvisorChoice/instructions/Experiment 1a Dot Instructions.pptx
+++ b/AdvisorChoice/instructions/Experiment 1a Dot Instructions.pptx
@@ -232,7 +232,7 @@
           <a:p>
             <a:fld id="{2C27CEE3-7CDA-4780-9F85-765E50CB07F7}" type="datetimeFigureOut">
               <a:rPr lang="en-GB" smtClean="0"/>
-              <a:t>27/07/2020</a:t>
+              <a:t>03/08/2020</a:t>
             </a:fld>
             <a:endParaRPr lang="en-GB"/>
           </a:p>
@@ -681,7 +681,7 @@
           <a:p>
             <a:fld id="{0F3A0F3E-9580-46AF-A1DB-5E4659722DCF}" type="datetimeFigureOut">
               <a:rPr lang="en-GB" smtClean="0"/>
-              <a:t>27/07/2020</a:t>
+              <a:t>03/08/2020</a:t>
             </a:fld>
             <a:endParaRPr lang="en-GB"/>
           </a:p>
@@ -851,7 +851,7 @@
           <a:p>
             <a:fld id="{0F3A0F3E-9580-46AF-A1DB-5E4659722DCF}" type="datetimeFigureOut">
               <a:rPr lang="en-GB" smtClean="0"/>
-              <a:t>27/07/2020</a:t>
+              <a:t>03/08/2020</a:t>
             </a:fld>
             <a:endParaRPr lang="en-GB"/>
           </a:p>
@@ -1031,7 +1031,7 @@
           <a:p>
             <a:fld id="{0F3A0F3E-9580-46AF-A1DB-5E4659722DCF}" type="datetimeFigureOut">
               <a:rPr lang="en-GB" smtClean="0"/>
-              <a:t>27/07/2020</a:t>
+              <a:t>03/08/2020</a:t>
             </a:fld>
             <a:endParaRPr lang="en-GB"/>
           </a:p>
@@ -1201,7 +1201,7 @@
           <a:p>
             <a:fld id="{0F3A0F3E-9580-46AF-A1DB-5E4659722DCF}" type="datetimeFigureOut">
               <a:rPr lang="en-GB" smtClean="0"/>
-              <a:t>27/07/2020</a:t>
+              <a:t>03/08/2020</a:t>
             </a:fld>
             <a:endParaRPr lang="en-GB"/>
           </a:p>
@@ -1447,7 +1447,7 @@
           <a:p>
             <a:fld id="{0F3A0F3E-9580-46AF-A1DB-5E4659722DCF}" type="datetimeFigureOut">
               <a:rPr lang="en-GB" smtClean="0"/>
-              <a:t>27/07/2020</a:t>
+              <a:t>03/08/2020</a:t>
             </a:fld>
             <a:endParaRPr lang="en-GB"/>
           </a:p>
@@ -1735,7 +1735,7 @@
           <a:p>
             <a:fld id="{0F3A0F3E-9580-46AF-A1DB-5E4659722DCF}" type="datetimeFigureOut">
               <a:rPr lang="en-GB" smtClean="0"/>
-              <a:t>27/07/2020</a:t>
+              <a:t>03/08/2020</a:t>
             </a:fld>
             <a:endParaRPr lang="en-GB"/>
           </a:p>
@@ -2157,7 +2157,7 @@
           <a:p>
             <a:fld id="{0F3A0F3E-9580-46AF-A1DB-5E4659722DCF}" type="datetimeFigureOut">
               <a:rPr lang="en-GB" smtClean="0"/>
-              <a:t>27/07/2020</a:t>
+              <a:t>03/08/2020</a:t>
             </a:fld>
             <a:endParaRPr lang="en-GB"/>
           </a:p>
@@ -2275,7 +2275,7 @@
           <a:p>
             <a:fld id="{0F3A0F3E-9580-46AF-A1DB-5E4659722DCF}" type="datetimeFigureOut">
               <a:rPr lang="en-GB" smtClean="0"/>
-              <a:t>27/07/2020</a:t>
+              <a:t>03/08/2020</a:t>
             </a:fld>
             <a:endParaRPr lang="en-GB"/>
           </a:p>
@@ -2370,7 +2370,7 @@
           <a:p>
             <a:fld id="{0F3A0F3E-9580-46AF-A1DB-5E4659722DCF}" type="datetimeFigureOut">
               <a:rPr lang="en-GB" smtClean="0"/>
-              <a:t>27/07/2020</a:t>
+              <a:t>03/08/2020</a:t>
             </a:fld>
             <a:endParaRPr lang="en-GB"/>
           </a:p>
@@ -2647,7 +2647,7 @@
           <a:p>
             <a:fld id="{0F3A0F3E-9580-46AF-A1DB-5E4659722DCF}" type="datetimeFigureOut">
               <a:rPr lang="en-GB" smtClean="0"/>
-              <a:t>27/07/2020</a:t>
+              <a:t>03/08/2020</a:t>
             </a:fld>
             <a:endParaRPr lang="en-GB"/>
           </a:p>
@@ -2900,7 +2900,7 @@
           <a:p>
             <a:fld id="{0F3A0F3E-9580-46AF-A1DB-5E4659722DCF}" type="datetimeFigureOut">
               <a:rPr lang="en-GB" smtClean="0"/>
-              <a:t>27/07/2020</a:t>
+              <a:t>03/08/2020</a:t>
             </a:fld>
             <a:endParaRPr lang="en-GB"/>
           </a:p>
@@ -3116,7 +3116,7 @@
           <a:p>
             <a:fld id="{0F3A0F3E-9580-46AF-A1DB-5E4659722DCF}" type="datetimeFigureOut">
               <a:rPr lang="en-GB" smtClean="0"/>
-              <a:t>27/07/2020</a:t>
+              <a:t>03/08/2020</a:t>
             </a:fld>
             <a:endParaRPr lang="en-GB"/>
           </a:p>
@@ -8526,7 +8526,7 @@
                 <a:latin typeface="Arial" panose="020B0604020202020204" pitchFamily="34" charset="0"/>
                 <a:cs typeface="Arial" panose="020B0604020202020204" pitchFamily="34" charset="0"/>
               </a:rPr>
-              <a:t>£2.50 – 5% or greater above your accuracy threshold</a:t>
+              <a:t>£1.25 – 5% or greater above your accuracy threshold</a:t>
             </a:r>
           </a:p>
           <a:p>
@@ -8542,7 +8542,7 @@
                 <a:latin typeface="Arial" panose="020B0604020202020204" pitchFamily="34" charset="0"/>
                 <a:cs typeface="Arial" panose="020B0604020202020204" pitchFamily="34" charset="0"/>
               </a:rPr>
-              <a:t>£2.00 – 4% above your accuracy threshold</a:t>
+              <a:t>£1.00 – 4% above your accuracy threshold</a:t>
             </a:r>
           </a:p>
           <a:p>
@@ -8558,7 +8558,7 @@
                 <a:latin typeface="Arial" panose="020B0604020202020204" pitchFamily="34" charset="0"/>
                 <a:cs typeface="Arial" panose="020B0604020202020204" pitchFamily="34" charset="0"/>
               </a:rPr>
-              <a:t>£1.50 – 3% above your accuracy threshold</a:t>
+              <a:t>£0.75 – 3% above your accuracy threshold</a:t>
             </a:r>
           </a:p>
           <a:p>
@@ -8574,7 +8574,7 @@
                 <a:latin typeface="Arial" panose="020B0604020202020204" pitchFamily="34" charset="0"/>
                 <a:cs typeface="Arial" panose="020B0604020202020204" pitchFamily="34" charset="0"/>
               </a:rPr>
-              <a:t>£1.00 – 2% above your accuracy threshold</a:t>
+              <a:t>£0.50 – 2% above your accuracy threshold</a:t>
             </a:r>
           </a:p>
           <a:p>
@@ -8590,11 +8590,11 @@
                 <a:latin typeface="Arial" panose="020B0604020202020204" pitchFamily="34" charset="0"/>
                 <a:cs typeface="Arial" panose="020B0604020202020204" pitchFamily="34" charset="0"/>
               </a:rPr>
-              <a:t>£0.50 – 1% above your accuracy threshold</a:t>
-            </a:r>
-          </a:p>
-          <a:p>
-            <a:pPr marL="0" marR="0" lvl="0" indent="0" defTabSz="914400" rtl="0" eaLnBrk="1" fontAlgn="auto" latinLnBrk="0" hangingPunct="1">
+              <a:t>£0.25 – 1% above your accuracy threshold</a:t>
+            </a:r>
+          </a:p>
+          <a:p>
+            <a:pPr marL="0" marR="0" lvl="0" indent="0" algn="ctr" defTabSz="914400" rtl="0" eaLnBrk="1" fontAlgn="auto" latinLnBrk="0" hangingPunct="1">
               <a:lnSpc>
                 <a:spcPct val="100000"/>
               </a:lnSpc>
@@ -8623,40 +8623,7 @@
             </a:endParaRPr>
           </a:p>
           <a:p>
-            <a:pPr marR="0" lvl="0" defTabSz="914400" rtl="0" eaLnBrk="1" fontAlgn="auto" latinLnBrk="0" hangingPunct="1">
-              <a:lnSpc>
-                <a:spcPct val="100000"/>
-              </a:lnSpc>
-              <a:spcBef>
-                <a:spcPts val="0"/>
-              </a:spcBef>
-              <a:spcAft>
-                <a:spcPts val="0"/>
-              </a:spcAft>
-              <a:buClrTx/>
-              <a:buSzTx/>
-              <a:tabLst/>
-              <a:defRPr/>
-            </a:pPr>
-            <a:endParaRPr kumimoji="0" lang="en-GB" b="0" i="0" u="none" strike="noStrike" kern="1200" cap="none" spc="0" normalizeH="0" baseline="0" noProof="0" dirty="0">
-              <a:ln>
-                <a:noFill/>
-              </a:ln>
-              <a:solidFill>
-                <a:prstClr val="black">
-                  <a:lumMod val="95000"/>
-                  <a:lumOff val="5000"/>
-                </a:prstClr>
-              </a:solidFill>
-              <a:effectLst/>
-              <a:uLnTx/>
-              <a:uFillTx/>
-              <a:latin typeface="Arial" panose="020B0604020202020204" pitchFamily="34" charset="0"/>
-              <a:cs typeface="Arial" panose="020B0604020202020204" pitchFamily="34" charset="0"/>
-            </a:endParaRPr>
-          </a:p>
-          <a:p>
-            <a:pPr marL="0" marR="0" lvl="0" indent="0" defTabSz="914400" rtl="0" eaLnBrk="1" fontAlgn="auto" latinLnBrk="0" hangingPunct="1">
+            <a:pPr marL="0" marR="0" lvl="0" indent="0" algn="ctr" defTabSz="914400" rtl="0" eaLnBrk="1" fontAlgn="auto" latinLnBrk="0" hangingPunct="1">
               <a:lnSpc>
                 <a:spcPct val="100000"/>
               </a:lnSpc>
@@ -8673,22 +8640,25 @@
               <a:tabLst/>
               <a:defRPr/>
             </a:pPr>
-            <a:endParaRPr kumimoji="0" lang="en-GB" b="0" i="0" u="none" strike="noStrike" kern="1200" cap="none" spc="0" normalizeH="0" baseline="0" noProof="0" dirty="0">
-              <a:ln>
-                <a:noFill/>
-              </a:ln>
-              <a:solidFill>
-                <a:prstClr val="black">
-                  <a:lumMod val="95000"/>
-                  <a:lumOff val="5000"/>
-                </a:prstClr>
-              </a:solidFill>
-              <a:effectLst/>
-              <a:uLnTx/>
-              <a:uFillTx/>
-              <a:latin typeface="Arial" panose="020B0604020202020204" pitchFamily="34" charset="0"/>
-              <a:cs typeface="Arial" panose="020B0604020202020204" pitchFamily="34" charset="0"/>
-            </a:endParaRPr>
+            <a:r>
+              <a:rPr kumimoji="0" lang="en-GB" b="0" i="0" u="none" strike="noStrike" kern="1200" cap="none" spc="0" normalizeH="0" baseline="0" noProof="0" dirty="0">
+                <a:ln>
+                  <a:noFill/>
+                </a:ln>
+                <a:solidFill>
+                  <a:prstClr val="black">
+                    <a:lumMod val="95000"/>
+                    <a:lumOff val="5000"/>
+                  </a:prstClr>
+                </a:solidFill>
+                <a:effectLst/>
+                <a:uLnTx/>
+                <a:uFillTx/>
+                <a:latin typeface="Arial" panose="020B0604020202020204" pitchFamily="34" charset="0"/>
+                <a:cs typeface="Arial" panose="020B0604020202020204" pitchFamily="34" charset="0"/>
+              </a:rPr>
+              <a:t>You can therefore earn a maximum of £5 bonus money for this task across the four blocks.</a:t>
+            </a:r>
           </a:p>
         </p:txBody>
       </p:sp>
